--- a/powerpoints/03-make-friends-with-your-browser.pptx
+++ b/powerpoints/03-make-friends-with-your-browser.pptx
@@ -5273,6 +5273,297 @@
             <a:r>
               <a:rPr/>
               <a:t>[15mins]</a:t>
+            </a:r>
+          </a:p>
+          <a:p>
+            <a:pPr lvl="0" marL="0" indent="0">
+              <a:buNone/>
+            </a:pPr>
+          </a:p>
+          <a:p>
+            <a:pPr lvl="0" marL="0" indent="0">
+              <a:buNone/>
+            </a:pPr>
+            <a:r>
+              <a:rPr/>
+              <a:t>Have</a:t>
+            </a:r>
+            <a:r>
+              <a:rPr/>
+              <a:t> </a:t>
+            </a:r>
+            <a:r>
+              <a:rPr/>
+              <a:t>you</a:t>
+            </a:r>
+            <a:r>
+              <a:rPr/>
+              <a:t> </a:t>
+            </a:r>
+            <a:r>
+              <a:rPr/>
+              <a:t>ever</a:t>
+            </a:r>
+            <a:r>
+              <a:rPr/>
+              <a:t> </a:t>
+            </a:r>
+            <a:r>
+              <a:rPr/>
+              <a:t>been</a:t>
+            </a:r>
+            <a:r>
+              <a:rPr/>
+              <a:t> </a:t>
+            </a:r>
+            <a:r>
+              <a:rPr/>
+              <a:t>on</a:t>
+            </a:r>
+            <a:r>
+              <a:rPr/>
+              <a:t> </a:t>
+            </a:r>
+            <a:r>
+              <a:rPr/>
+              <a:t>a</a:t>
+            </a:r>
+            <a:r>
+              <a:rPr/>
+              <a:t> </a:t>
+            </a:r>
+            <a:r>
+              <a:rPr/>
+              <a:t>webpage,</a:t>
+            </a:r>
+            <a:r>
+              <a:rPr/>
+              <a:t> </a:t>
+            </a:r>
+            <a:r>
+              <a:rPr/>
+              <a:t>have</a:t>
+            </a:r>
+            <a:r>
+              <a:rPr/>
+              <a:t> </a:t>
+            </a:r>
+            <a:r>
+              <a:rPr/>
+              <a:t>clicked</a:t>
+            </a:r>
+            <a:r>
+              <a:rPr/>
+              <a:t> </a:t>
+            </a:r>
+            <a:r>
+              <a:rPr/>
+              <a:t>links</a:t>
+            </a:r>
+            <a:r>
+              <a:rPr/>
+              <a:t> </a:t>
+            </a:r>
+            <a:r>
+              <a:rPr/>
+              <a:t>to</a:t>
+            </a:r>
+            <a:r>
+              <a:rPr/>
+              <a:t> </a:t>
+            </a:r>
+            <a:r>
+              <a:rPr/>
+              <a:t>other</a:t>
+            </a:r>
+            <a:r>
+              <a:rPr/>
+              <a:t> </a:t>
+            </a:r>
+            <a:r>
+              <a:rPr/>
+              <a:t>pages</a:t>
+            </a:r>
+            <a:r>
+              <a:rPr/>
+              <a:t> </a:t>
+            </a:r>
+            <a:r>
+              <a:rPr/>
+              <a:t>and</a:t>
+            </a:r>
+            <a:r>
+              <a:rPr/>
+              <a:t> </a:t>
+            </a:r>
+            <a:r>
+              <a:rPr/>
+              <a:t>then</a:t>
+            </a:r>
+            <a:r>
+              <a:rPr/>
+              <a:t> </a:t>
+            </a:r>
+            <a:r>
+              <a:rPr/>
+              <a:t>could</a:t>
+            </a:r>
+            <a:r>
+              <a:rPr/>
+              <a:t> </a:t>
+            </a:r>
+            <a:r>
+              <a:rPr/>
+              <a:t>not</a:t>
+            </a:r>
+            <a:r>
+              <a:rPr/>
+              <a:t> </a:t>
+            </a:r>
+            <a:r>
+              <a:rPr/>
+              <a:t>get</a:t>
+            </a:r>
+            <a:r>
+              <a:rPr/>
+              <a:t> </a:t>
+            </a:r>
+            <a:r>
+              <a:rPr/>
+              <a:t>back</a:t>
+            </a:r>
+            <a:r>
+              <a:rPr/>
+              <a:t> </a:t>
+            </a:r>
+            <a:r>
+              <a:rPr/>
+              <a:t>to</a:t>
+            </a:r>
+            <a:r>
+              <a:rPr/>
+              <a:t> </a:t>
+            </a:r>
+            <a:r>
+              <a:rPr/>
+              <a:t>where</a:t>
+            </a:r>
+            <a:r>
+              <a:rPr/>
+              <a:t> </a:t>
+            </a:r>
+            <a:r>
+              <a:rPr/>
+              <a:t>you</a:t>
+            </a:r>
+            <a:r>
+              <a:rPr/>
+              <a:t> </a:t>
+            </a:r>
+            <a:r>
+              <a:rPr/>
+              <a:t>wanted</a:t>
+            </a:r>
+            <a:r>
+              <a:rPr/>
+              <a:t> </a:t>
+            </a:r>
+            <a:r>
+              <a:rPr/>
+              <a:t>to</a:t>
+            </a:r>
+            <a:r>
+              <a:rPr/>
+              <a:t> </a:t>
+            </a:r>
+            <a:r>
+              <a:rPr/>
+              <a:t>be?</a:t>
+            </a:r>
+            <a:br/>
+            <a:r>
+              <a:rPr/>
+              <a:t>*</a:t>
+            </a:r>
+            <a:r>
+              <a:rPr/>
+              <a:t> </a:t>
+            </a:r>
+            <a:r>
+              <a:rPr/>
+              <a:t>Identify</a:t>
+            </a:r>
+            <a:r>
+              <a:rPr/>
+              <a:t> </a:t>
+            </a:r>
+            <a:r>
+              <a:rPr/>
+              <a:t>the</a:t>
+            </a:r>
+            <a:r>
+              <a:rPr/>
+              <a:t> </a:t>
+            </a:r>
+            <a:r>
+              <a:rPr/>
+              <a:t>navigation</a:t>
+            </a:r>
+            <a:r>
+              <a:rPr/>
+              <a:t> </a:t>
+            </a:r>
+            <a:r>
+              <a:rPr/>
+              <a:t>tools</a:t>
+            </a:r>
+            <a:r>
+              <a:rPr/>
+              <a:t> </a:t>
+            </a:r>
+            <a:r>
+              <a:rPr/>
+              <a:t>at</a:t>
+            </a:r>
+            <a:r>
+              <a:rPr/>
+              <a:t> </a:t>
+            </a:r>
+            <a:r>
+              <a:rPr/>
+              <a:t>the</a:t>
+            </a:r>
+            <a:r>
+              <a:rPr/>
+              <a:t> </a:t>
+            </a:r>
+            <a:r>
+              <a:rPr/>
+              <a:t>top</a:t>
+            </a:r>
+            <a:r>
+              <a:rPr/>
+              <a:t> </a:t>
+            </a:r>
+            <a:r>
+              <a:rPr/>
+              <a:t>of</a:t>
+            </a:r>
+            <a:r>
+              <a:rPr/>
+              <a:t> </a:t>
+            </a:r>
+            <a:r>
+              <a:rPr/>
+              <a:t>the</a:t>
+            </a:r>
+            <a:r>
+              <a:rPr/>
+              <a:t> </a:t>
+            </a:r>
+            <a:r>
+              <a:rPr/>
+              <a:t>page</a:t>
             </a:r>
           </a:p>
         </p:txBody>
@@ -12137,7 +12428,7 @@
             <a:pPr lvl="2"/>
             <a:r>
               <a:rPr/>
-              <a:t>Why would you keep several tabs open.</a:t>
+              <a:t>Why would you keep several tabs open?</a:t>
             </a:r>
           </a:p>
         </p:txBody>
@@ -12312,7 +12603,7 @@
             <a:pPr lvl="1"/>
             <a:r>
               <a:rPr/>
-              <a:t>Have you ever been on a webpage, have clicked links to other pages and then could not get back to where you wanted to be?</a:t>
+              <a:t>Have you ever got lost on the web?</a:t>
             </a:r>
             <a:br/>
           </a:p>

--- a/powerpoints/03-make-friends-with-your-browser.pptx
+++ b/powerpoints/03-make-friends-with-your-browser.pptx
@@ -532,7 +532,39 @@
             </a:pPr>
             <a:r>
               <a:rPr/>
-              <a:t>Firefox</a:t>
+              <a:t>Make</a:t>
+            </a:r>
+            <a:r>
+              <a:rPr/>
+              <a:t> </a:t>
+            </a:r>
+            <a:r>
+              <a:rPr/>
+              <a:t>Friends</a:t>
+            </a:r>
+            <a:r>
+              <a:rPr/>
+              <a:t> </a:t>
+            </a:r>
+            <a:r>
+              <a:rPr/>
+              <a:t>With</a:t>
+            </a:r>
+            <a:r>
+              <a:rPr/>
+              <a:t> </a:t>
+            </a:r>
+            <a:r>
+              <a:rPr/>
+              <a:t>Your</a:t>
+            </a:r>
+            <a:r>
+              <a:rPr/>
+              <a:t> </a:t>
+            </a:r>
+            <a:r>
+              <a:rPr/>
+              <a:t>Browser</a:t>
             </a:r>
           </a:p>
         </p:txBody>
@@ -12666,7 +12698,7 @@
             </a:r>
             <a:r>
               <a:rPr/>
-              <a:t>hunt</a:t>
+              <a:t>Hunt</a:t>
             </a:r>
             <a:r>
               <a:rPr/>
@@ -12838,10 +12870,12 @@
           <a:bodyPr/>
           <a:lstStyle/>
           <a:p>
-            <a:pPr lvl="1"/>
-            <a:r>
-              <a:rPr/>
-              <a:t>Facilitator asks learners: how does what you learned today change how you think about web searches, and search results?</a:t>
+            <a:pPr lvl="0" marL="0" indent="0">
+              <a:buNone/>
+            </a:pPr>
+            <a:r>
+              <a:rPr/>
+              <a:t>How does what you learned today change how you think about web searches, and search results?</a:t>
             </a:r>
           </a:p>
         </p:txBody>
